--- a/webdriver/PageObject and webdriver.pptx
+++ b/webdriver/PageObject and webdriver.pptx
@@ -120,6 +120,11 @@
       </a:defRPr>
     </a:lvl9pPr>
   </p:defaultTextStyle>
+  <p:extLst>
+    <p:ext uri="{EFAFB233-063F-42B5-8137-9DF3F51BA10A}">
+      <p15:sldGuideLst xmlns:p15="http://schemas.microsoft.com/office/powerpoint/2012/main"/>
+    </p:ext>
+  </p:extLst>
 </p:presentation>
 </file>
 
@@ -205,7 +210,7 @@
           <a:p>
             <a:fld id="{B36A0D3F-EA19-4916-AE14-360E3984FA76}" type="datetimeFigureOut">
               <a:rPr lang="en-US" smtClean="0"/>
-              <a:t>5/4/2017</a:t>
+              <a:t>5/18/2017</a:t>
             </a:fld>
             <a:endParaRPr lang="en-US"/>
           </a:p>
@@ -300,7 +305,6 @@
               <a:rPr lang="en-US"/>
               <a:t>Fifth level</a:t>
             </a:r>
-            <a:endParaRPr lang="en-US"/>
           </a:p>
         </p:txBody>
       </p:sp>
@@ -683,351 +687,6 @@
           <a:bodyPr/>
           <a:lstStyle/>
           <a:p>
-            <a:r>
-              <a:rPr lang="en-US" sz="1200" b="0" i="0" kern="1200" dirty="0">
-                <a:solidFill>
-                  <a:schemeClr val="tx1"/>
-                </a:solidFill>
-                <a:effectLst/>
-                <a:latin typeface="+mn-lt"/>
-                <a:ea typeface="+mn-ea"/>
-                <a:cs typeface="+mn-cs"/>
-              </a:rPr>
-              <a:t>In this example when you call </a:t>
-            </a:r>
-            <a:r>
-              <a:rPr lang="en-US" sz="1200" b="0" i="0" kern="1200" dirty="0" err="1">
-                <a:solidFill>
-                  <a:schemeClr val="tx1"/>
-                </a:solidFill>
-                <a:effectLst/>
-                <a:latin typeface="+mn-lt"/>
-                <a:ea typeface="+mn-ea"/>
-                <a:cs typeface="+mn-cs"/>
-              </a:rPr>
-              <a:t>createAccountPage.navigate_to</a:t>
-            </a:r>
-            <a:endParaRPr lang="en-US" sz="1200" b="0" i="0" kern="1200" dirty="0">
-              <a:solidFill>
-                <a:schemeClr val="tx1"/>
-              </a:solidFill>
-              <a:effectLst/>
-              <a:latin typeface="+mn-lt"/>
-              <a:ea typeface="+mn-ea"/>
-              <a:cs typeface="+mn-cs"/>
-            </a:endParaRPr>
-          </a:p>
-          <a:p>
-            <a:r>
-              <a:rPr lang="en-US" sz="1200" b="0" i="0" kern="1200" baseline="0" dirty="0">
-                <a:solidFill>
-                  <a:schemeClr val="tx1"/>
-                </a:solidFill>
-                <a:effectLst/>
-                <a:latin typeface="+mn-lt"/>
-                <a:ea typeface="+mn-ea"/>
-                <a:cs typeface="+mn-cs"/>
-              </a:rPr>
-              <a:t> It will check to see if it is already on the </a:t>
-            </a:r>
-            <a:r>
-              <a:rPr lang="en-US" sz="1200" b="0" i="0" kern="1200" baseline="0" dirty="0" err="1">
-                <a:solidFill>
-                  <a:schemeClr val="tx1"/>
-                </a:solidFill>
-                <a:effectLst/>
-                <a:latin typeface="+mn-lt"/>
-                <a:ea typeface="+mn-ea"/>
-                <a:cs typeface="+mn-cs"/>
-              </a:rPr>
-              <a:t>createAccount</a:t>
-            </a:r>
-            <a:r>
-              <a:rPr lang="en-US" sz="1200" b="0" i="0" kern="1200" baseline="0" dirty="0">
-                <a:solidFill>
-                  <a:schemeClr val="tx1"/>
-                </a:solidFill>
-                <a:effectLst/>
-                <a:latin typeface="+mn-lt"/>
-                <a:ea typeface="+mn-ea"/>
-                <a:cs typeface="+mn-cs"/>
-              </a:rPr>
-              <a:t> page and if not it will execute its logic to get there and it knows there is really only one path to create account and that is through sign in</a:t>
-            </a:r>
-          </a:p>
-          <a:p>
-            <a:r>
-              <a:rPr lang="en-US" sz="1200" b="0" i="0" kern="1200" baseline="0" dirty="0">
-                <a:solidFill>
-                  <a:schemeClr val="tx1"/>
-                </a:solidFill>
-                <a:effectLst/>
-                <a:latin typeface="+mn-lt"/>
-                <a:ea typeface="+mn-ea"/>
-                <a:cs typeface="+mn-cs"/>
-              </a:rPr>
-              <a:t>So </a:t>
-            </a:r>
-            <a:r>
-              <a:rPr lang="en-US" sz="1200" b="0" i="0" kern="1200" baseline="0" dirty="0" err="1">
-                <a:solidFill>
-                  <a:schemeClr val="tx1"/>
-                </a:solidFill>
-                <a:effectLst/>
-                <a:latin typeface="+mn-lt"/>
-                <a:ea typeface="+mn-ea"/>
-                <a:cs typeface="+mn-cs"/>
-              </a:rPr>
-              <a:t>createAccount.navigateToWill</a:t>
-            </a:r>
-            <a:r>
-              <a:rPr lang="en-US" sz="1200" b="0" i="0" kern="1200" baseline="0" dirty="0">
-                <a:solidFill>
-                  <a:schemeClr val="tx1"/>
-                </a:solidFill>
-                <a:effectLst/>
-                <a:latin typeface="+mn-lt"/>
-                <a:ea typeface="+mn-ea"/>
-                <a:cs typeface="+mn-cs"/>
-              </a:rPr>
-              <a:t> call </a:t>
-            </a:r>
-            <a:r>
-              <a:rPr lang="en-US" sz="1200" b="0" i="0" kern="1200" baseline="0" dirty="0" err="1">
-                <a:solidFill>
-                  <a:schemeClr val="tx1"/>
-                </a:solidFill>
-                <a:effectLst/>
-                <a:latin typeface="+mn-lt"/>
-                <a:ea typeface="+mn-ea"/>
-                <a:cs typeface="+mn-cs"/>
-              </a:rPr>
-              <a:t>SigninPage.navigateTo</a:t>
-            </a:r>
-            <a:r>
-              <a:rPr lang="en-US" sz="1200" b="0" i="0" kern="1200" baseline="0" dirty="0">
-                <a:solidFill>
-                  <a:schemeClr val="tx1"/>
-                </a:solidFill>
-                <a:effectLst/>
-                <a:latin typeface="+mn-lt"/>
-                <a:ea typeface="+mn-ea"/>
-                <a:cs typeface="+mn-cs"/>
-              </a:rPr>
-              <a:t> and click register.</a:t>
-            </a:r>
-          </a:p>
-          <a:p>
-            <a:endParaRPr lang="en-US" sz="1200" b="0" i="0" kern="1200" baseline="0" dirty="0">
-              <a:solidFill>
-                <a:schemeClr val="tx1"/>
-              </a:solidFill>
-              <a:effectLst/>
-              <a:latin typeface="+mn-lt"/>
-              <a:ea typeface="+mn-ea"/>
-              <a:cs typeface="+mn-cs"/>
-            </a:endParaRPr>
-          </a:p>
-          <a:p>
-            <a:r>
-              <a:rPr lang="en-US" sz="1200" b="0" i="0" kern="1200" baseline="0" dirty="0">
-                <a:solidFill>
-                  <a:schemeClr val="tx1"/>
-                </a:solidFill>
-                <a:effectLst/>
-                <a:latin typeface="+mn-lt"/>
-                <a:ea typeface="+mn-ea"/>
-                <a:cs typeface="+mn-cs"/>
-              </a:rPr>
-              <a:t>So ultimately if it cant find what page it is on them </a:t>
-            </a:r>
-            <a:r>
-              <a:rPr lang="en-US" sz="1200" b="0" i="0" kern="1200" baseline="0" dirty="0" err="1">
-                <a:solidFill>
-                  <a:schemeClr val="tx1"/>
-                </a:solidFill>
-                <a:effectLst/>
-                <a:latin typeface="+mn-lt"/>
-                <a:ea typeface="+mn-ea"/>
-                <a:cs typeface="+mn-cs"/>
-              </a:rPr>
-              <a:t>createAccountpage</a:t>
-            </a:r>
-            <a:r>
-              <a:rPr lang="en-US" sz="1200" b="0" i="0" kern="1200" baseline="0" dirty="0">
-                <a:solidFill>
-                  <a:schemeClr val="tx1"/>
-                </a:solidFill>
-                <a:effectLst/>
-                <a:latin typeface="+mn-lt"/>
-                <a:ea typeface="+mn-ea"/>
-                <a:cs typeface="+mn-cs"/>
-              </a:rPr>
-              <a:t> will call </a:t>
-            </a:r>
-            <a:r>
-              <a:rPr lang="en-US" sz="1200" b="0" i="0" kern="1200" baseline="0" dirty="0" err="1">
-                <a:solidFill>
-                  <a:schemeClr val="tx1"/>
-                </a:solidFill>
-                <a:effectLst/>
-                <a:latin typeface="+mn-lt"/>
-                <a:ea typeface="+mn-ea"/>
-                <a:cs typeface="+mn-cs"/>
-              </a:rPr>
-              <a:t>createAccount.navigateTo</a:t>
-            </a:r>
-            <a:r>
-              <a:rPr lang="en-US" sz="1200" b="0" i="0" kern="1200" baseline="0" dirty="0">
-                <a:solidFill>
-                  <a:schemeClr val="tx1"/>
-                </a:solidFill>
-                <a:effectLst/>
-                <a:latin typeface="+mn-lt"/>
-                <a:ea typeface="+mn-ea"/>
-                <a:cs typeface="+mn-cs"/>
-              </a:rPr>
-              <a:t> which will call </a:t>
-            </a:r>
-            <a:r>
-              <a:rPr lang="en-US" sz="1200" b="0" i="0" kern="1200" baseline="0" dirty="0" err="1">
-                <a:solidFill>
-                  <a:schemeClr val="tx1"/>
-                </a:solidFill>
-                <a:effectLst/>
-                <a:latin typeface="+mn-lt"/>
-                <a:ea typeface="+mn-ea"/>
-                <a:cs typeface="+mn-cs"/>
-              </a:rPr>
-              <a:t>SigninPage.navigateTo</a:t>
-            </a:r>
-            <a:r>
-              <a:rPr lang="en-US" sz="1200" b="0" i="0" kern="1200" baseline="0" dirty="0">
-                <a:solidFill>
-                  <a:schemeClr val="tx1"/>
-                </a:solidFill>
-                <a:effectLst/>
-                <a:latin typeface="+mn-lt"/>
-                <a:ea typeface="+mn-ea"/>
-                <a:cs typeface="+mn-cs"/>
-              </a:rPr>
-              <a:t> </a:t>
-            </a:r>
-            <a:r>
-              <a:rPr lang="en-US" sz="1200" b="0" i="0" kern="1200" baseline="0" dirty="0">
-                <a:solidFill>
-                  <a:schemeClr val="tx1"/>
-                </a:solidFill>
-                <a:effectLst/>
-                <a:latin typeface="+mn-lt"/>
-                <a:ea typeface="+mn-ea"/>
-                <a:cs typeface="+mn-cs"/>
-                <a:sym typeface="Wingdings" panose="05000000000000000000" pitchFamily="2" charset="2"/>
-              </a:rPr>
-              <a:t> </a:t>
-            </a:r>
-            <a:r>
-              <a:rPr lang="en-US" sz="1200" b="0" i="0" kern="1200" baseline="0" dirty="0" err="1">
-                <a:solidFill>
-                  <a:schemeClr val="tx1"/>
-                </a:solidFill>
-                <a:effectLst/>
-                <a:latin typeface="+mn-lt"/>
-                <a:ea typeface="+mn-ea"/>
-                <a:cs typeface="+mn-cs"/>
-                <a:sym typeface="Wingdings" panose="05000000000000000000" pitchFamily="2" charset="2"/>
-              </a:rPr>
-              <a:t>Homepage.navigateTo</a:t>
-            </a:r>
-            <a:endParaRPr lang="en-US" sz="1200" b="0" i="0" kern="1200" baseline="0" dirty="0">
-              <a:solidFill>
-                <a:schemeClr val="tx1"/>
-              </a:solidFill>
-              <a:effectLst/>
-              <a:latin typeface="+mn-lt"/>
-              <a:ea typeface="+mn-ea"/>
-              <a:cs typeface="+mn-cs"/>
-              <a:sym typeface="Wingdings" panose="05000000000000000000" pitchFamily="2" charset="2"/>
-            </a:endParaRPr>
-          </a:p>
-          <a:p>
-            <a:endParaRPr lang="en-US" sz="1200" b="0" i="0" kern="1200" baseline="0" dirty="0">
-              <a:solidFill>
-                <a:schemeClr val="tx1"/>
-              </a:solidFill>
-              <a:effectLst/>
-              <a:latin typeface="+mn-lt"/>
-              <a:ea typeface="+mn-ea"/>
-              <a:cs typeface="+mn-cs"/>
-              <a:sym typeface="Wingdings" panose="05000000000000000000" pitchFamily="2" charset="2"/>
-            </a:endParaRPr>
-          </a:p>
-          <a:p>
-            <a:r>
-              <a:rPr lang="en-US" sz="1200" b="0" i="0" kern="1200" baseline="0" dirty="0">
-                <a:solidFill>
-                  <a:schemeClr val="tx1"/>
-                </a:solidFill>
-                <a:effectLst/>
-                <a:latin typeface="+mn-lt"/>
-                <a:ea typeface="+mn-ea"/>
-                <a:cs typeface="+mn-cs"/>
-                <a:sym typeface="Wingdings" panose="05000000000000000000" pitchFamily="2" charset="2"/>
-              </a:rPr>
-              <a:t>Then click the </a:t>
-            </a:r>
-            <a:r>
-              <a:rPr lang="en-US" sz="1200" b="0" i="0" kern="1200" baseline="0" dirty="0" err="1">
-                <a:solidFill>
-                  <a:schemeClr val="tx1"/>
-                </a:solidFill>
-                <a:effectLst/>
-                <a:latin typeface="+mn-lt"/>
-                <a:ea typeface="+mn-ea"/>
-                <a:cs typeface="+mn-cs"/>
-                <a:sym typeface="Wingdings" panose="05000000000000000000" pitchFamily="2" charset="2"/>
-              </a:rPr>
-              <a:t>singin</a:t>
-            </a:r>
-            <a:r>
-              <a:rPr lang="en-US" sz="1200" b="0" i="0" kern="1200" baseline="0" dirty="0">
-                <a:solidFill>
-                  <a:schemeClr val="tx1"/>
-                </a:solidFill>
-                <a:effectLst/>
-                <a:latin typeface="+mn-lt"/>
-                <a:ea typeface="+mn-ea"/>
-                <a:cs typeface="+mn-cs"/>
-                <a:sym typeface="Wingdings" panose="05000000000000000000" pitchFamily="2" charset="2"/>
-              </a:rPr>
-              <a:t> link on the homepage</a:t>
-            </a:r>
-          </a:p>
-          <a:p>
-            <a:r>
-              <a:rPr lang="en-US" sz="1200" b="0" i="0" kern="1200" baseline="0" dirty="0">
-                <a:solidFill>
-                  <a:schemeClr val="tx1"/>
-                </a:solidFill>
-                <a:effectLst/>
-                <a:latin typeface="+mn-lt"/>
-                <a:ea typeface="+mn-ea"/>
-                <a:cs typeface="+mn-cs"/>
-                <a:sym typeface="Wingdings" panose="05000000000000000000" pitchFamily="2" charset="2"/>
-              </a:rPr>
-              <a:t>And click the register link on the sign in page</a:t>
-            </a:r>
-            <a:endParaRPr lang="en-US" sz="1200" b="0" i="0" kern="1200" dirty="0">
-              <a:solidFill>
-                <a:schemeClr val="tx1"/>
-              </a:solidFill>
-              <a:effectLst/>
-              <a:latin typeface="+mn-lt"/>
-              <a:ea typeface="+mn-ea"/>
-              <a:cs typeface="+mn-cs"/>
-            </a:endParaRPr>
-          </a:p>
-          <a:p>
             <a:endParaRPr lang="en-US" dirty="0"/>
           </a:p>
         </p:txBody>
@@ -1159,7 +818,7 @@
                 <a:ea typeface="+mn-ea"/>
                 <a:cs typeface="+mn-cs"/>
               </a:rPr>
-              <a:t>I click on blank on the blank page.</a:t>
+              <a:t>I click on “something” on the “some” page.</a:t>
             </a:r>
           </a:p>
           <a:p>
@@ -1383,6 +1042,55 @@
               </a:rPr>
               <a:t>And the last step will allow me to validate  the visibility of any element on any page </a:t>
             </a:r>
+          </a:p>
+          <a:p>
+            <a:endParaRPr lang="en-US" sz="1200" b="0" i="0" kern="1200" baseline="0" dirty="0">
+              <a:solidFill>
+                <a:schemeClr val="tx1"/>
+              </a:solidFill>
+              <a:effectLst/>
+              <a:latin typeface="+mn-lt"/>
+              <a:ea typeface="+mn-ea"/>
+              <a:cs typeface="+mn-cs"/>
+            </a:endParaRPr>
+          </a:p>
+          <a:p>
+            <a:r>
+              <a:rPr lang="en-US" sz="1200" b="0" i="0" kern="1200" baseline="0" dirty="0">
+                <a:solidFill>
+                  <a:schemeClr val="tx1"/>
+                </a:solidFill>
+                <a:effectLst/>
+                <a:latin typeface="+mn-lt"/>
+                <a:ea typeface="+mn-ea"/>
+                <a:cs typeface="+mn-cs"/>
+              </a:rPr>
+              <a:t>These are examples of how a Page Object can help simplify your step </a:t>
+            </a:r>
+            <a:r>
+              <a:rPr lang="en-US" sz="1200" b="0" i="0" kern="1200" baseline="0" dirty="0" err="1">
+                <a:solidFill>
+                  <a:schemeClr val="tx1"/>
+                </a:solidFill>
+                <a:effectLst/>
+                <a:latin typeface="+mn-lt"/>
+                <a:ea typeface="+mn-ea"/>
+                <a:cs typeface="+mn-cs"/>
+              </a:rPr>
+              <a:t>definintions</a:t>
+            </a:r>
+            <a:r>
+              <a:rPr lang="en-US" sz="1200" b="0" i="0" kern="1200" baseline="0">
+                <a:solidFill>
+                  <a:schemeClr val="tx1"/>
+                </a:solidFill>
+                <a:effectLst/>
+                <a:latin typeface="+mn-lt"/>
+                <a:ea typeface="+mn-ea"/>
+                <a:cs typeface="+mn-cs"/>
+              </a:rPr>
+              <a:t>.</a:t>
+            </a:r>
             <a:endParaRPr lang="en-US" dirty="0"/>
           </a:p>
         </p:txBody>
@@ -1625,161 +1333,6 @@
           <a:bodyPr/>
           <a:lstStyle/>
           <a:p>
-            <a:r>
-              <a:rPr lang="en-US" dirty="0"/>
-              <a:t>Most</a:t>
-            </a:r>
-            <a:r>
-              <a:rPr lang="en-US" baseline="0" dirty="0"/>
-              <a:t> web browsers will provide their own </a:t>
-            </a:r>
-            <a:r>
-              <a:rPr lang="en-US" baseline="0" dirty="0" err="1"/>
-              <a:t>webdriver</a:t>
-            </a:r>
-            <a:r>
-              <a:rPr lang="en-US" baseline="0" dirty="0"/>
-              <a:t> for example there is the </a:t>
-            </a:r>
-            <a:r>
-              <a:rPr lang="en-US" baseline="0" dirty="0" err="1"/>
-              <a:t>chromedriver</a:t>
-            </a:r>
-            <a:r>
-              <a:rPr lang="en-US" baseline="0" dirty="0"/>
-              <a:t> for chrome, </a:t>
-            </a:r>
-            <a:r>
-              <a:rPr lang="en-US" baseline="0" dirty="0" err="1"/>
-              <a:t>iedriverserver</a:t>
-            </a:r>
-            <a:r>
-              <a:rPr lang="en-US" baseline="0" dirty="0"/>
-              <a:t> for </a:t>
-            </a:r>
-            <a:r>
-              <a:rPr lang="en-US" baseline="0" dirty="0" err="1"/>
-              <a:t>ie</a:t>
-            </a:r>
-            <a:r>
-              <a:rPr lang="en-US" baseline="0" dirty="0"/>
-              <a:t>, </a:t>
-            </a:r>
-            <a:r>
-              <a:rPr lang="en-US" baseline="0" dirty="0" err="1"/>
-              <a:t>geckodriver</a:t>
-            </a:r>
-            <a:r>
-              <a:rPr lang="en-US" baseline="0" dirty="0"/>
-              <a:t> for </a:t>
-            </a:r>
-            <a:r>
-              <a:rPr lang="en-US" baseline="0" dirty="0" err="1"/>
-              <a:t>firefox</a:t>
-            </a:r>
-            <a:endParaRPr lang="en-US" baseline="0" dirty="0"/>
-          </a:p>
-          <a:p>
-            <a:endParaRPr lang="en-US" baseline="0" dirty="0"/>
-          </a:p>
-          <a:p>
-            <a:r>
-              <a:rPr lang="en-US" sz="1200" b="1" i="0" kern="1200" dirty="0">
-                <a:solidFill>
-                  <a:schemeClr val="tx1"/>
-                </a:solidFill>
-                <a:effectLst/>
-                <a:latin typeface="+mn-lt"/>
-                <a:ea typeface="+mn-ea"/>
-                <a:cs typeface="+mn-cs"/>
-              </a:rPr>
-              <a:t>Selenium Web Driver</a:t>
-            </a:r>
-            <a:r>
-              <a:rPr lang="en-US" sz="1200" b="0" i="0" kern="1200" dirty="0">
-                <a:solidFill>
-                  <a:schemeClr val="tx1"/>
-                </a:solidFill>
-                <a:effectLst/>
-                <a:latin typeface="+mn-lt"/>
-                <a:ea typeface="+mn-ea"/>
-                <a:cs typeface="+mn-cs"/>
-              </a:rPr>
-              <a:t> is a tool for writing automated tests of websites. It aims to mimic the behavior of a real user, and as such interacts with the HTML of the application.</a:t>
-            </a:r>
-          </a:p>
-          <a:p>
-            <a:endParaRPr lang="en-US" sz="1200" b="0" i="0" kern="1200" dirty="0">
-              <a:solidFill>
-                <a:schemeClr val="tx1"/>
-              </a:solidFill>
-              <a:effectLst/>
-              <a:latin typeface="+mn-lt"/>
-              <a:ea typeface="+mn-ea"/>
-              <a:cs typeface="+mn-cs"/>
-            </a:endParaRPr>
-          </a:p>
-          <a:p>
-            <a:r>
-              <a:rPr lang="en-US" sz="1200" b="0" i="0" kern="1200" dirty="0">
-                <a:solidFill>
-                  <a:schemeClr val="tx1"/>
-                </a:solidFill>
-                <a:effectLst/>
-                <a:latin typeface="+mn-lt"/>
-                <a:ea typeface="+mn-ea"/>
-                <a:cs typeface="+mn-cs"/>
-              </a:rPr>
-              <a:t>These wrappers of Selenium </a:t>
-            </a:r>
-            <a:r>
-              <a:rPr lang="en-US" sz="1200" b="0" i="0" kern="1200" dirty="0" err="1">
-                <a:solidFill>
-                  <a:schemeClr val="tx1"/>
-                </a:solidFill>
-                <a:effectLst/>
-                <a:latin typeface="+mn-lt"/>
-                <a:ea typeface="+mn-ea"/>
-                <a:cs typeface="+mn-cs"/>
-              </a:rPr>
-              <a:t>Webdriver</a:t>
-            </a:r>
-            <a:r>
-              <a:rPr lang="en-US" sz="1200" b="0" i="0" kern="1200" dirty="0">
-                <a:solidFill>
-                  <a:schemeClr val="tx1"/>
-                </a:solidFill>
-                <a:effectLst/>
-                <a:latin typeface="+mn-lt"/>
-                <a:ea typeface="+mn-ea"/>
-                <a:cs typeface="+mn-cs"/>
-              </a:rPr>
-              <a:t> allowed developers to enhance and</a:t>
-            </a:r>
-            <a:r>
-              <a:rPr lang="en-US" sz="1200" b="0" i="0" kern="1200" baseline="0" dirty="0">
-                <a:solidFill>
-                  <a:schemeClr val="tx1"/>
-                </a:solidFill>
-                <a:effectLst/>
-                <a:latin typeface="+mn-lt"/>
-                <a:ea typeface="+mn-ea"/>
-                <a:cs typeface="+mn-cs"/>
-              </a:rPr>
-              <a:t> add additional functionality on top of the standard selenium </a:t>
-            </a:r>
-            <a:r>
-              <a:rPr lang="en-US" sz="1200" b="0" i="0" kern="1200" baseline="0" dirty="0" err="1">
-                <a:solidFill>
-                  <a:schemeClr val="tx1"/>
-                </a:solidFill>
-                <a:effectLst/>
-                <a:latin typeface="+mn-lt"/>
-                <a:ea typeface="+mn-ea"/>
-                <a:cs typeface="+mn-cs"/>
-              </a:rPr>
-              <a:t>webdriver</a:t>
-            </a:r>
             <a:endParaRPr lang="en-US" dirty="0"/>
           </a:p>
         </p:txBody>
@@ -1864,161 +1417,6 @@
           <a:bodyPr/>
           <a:lstStyle/>
           <a:p>
-            <a:r>
-              <a:rPr lang="en-US" dirty="0"/>
-              <a:t>Most</a:t>
-            </a:r>
-            <a:r>
-              <a:rPr lang="en-US" baseline="0" dirty="0"/>
-              <a:t> web browsers will provide their own </a:t>
-            </a:r>
-            <a:r>
-              <a:rPr lang="en-US" baseline="0" dirty="0" err="1"/>
-              <a:t>webdriver</a:t>
-            </a:r>
-            <a:r>
-              <a:rPr lang="en-US" baseline="0" dirty="0"/>
-              <a:t> for example there is the </a:t>
-            </a:r>
-            <a:r>
-              <a:rPr lang="en-US" baseline="0" dirty="0" err="1"/>
-              <a:t>chromedriver</a:t>
-            </a:r>
-            <a:r>
-              <a:rPr lang="en-US" baseline="0" dirty="0"/>
-              <a:t> for chrome, </a:t>
-            </a:r>
-            <a:r>
-              <a:rPr lang="en-US" baseline="0" dirty="0" err="1"/>
-              <a:t>iedriverserver</a:t>
-            </a:r>
-            <a:r>
-              <a:rPr lang="en-US" baseline="0" dirty="0"/>
-              <a:t> for </a:t>
-            </a:r>
-            <a:r>
-              <a:rPr lang="en-US" baseline="0" dirty="0" err="1"/>
-              <a:t>ie</a:t>
-            </a:r>
-            <a:r>
-              <a:rPr lang="en-US" baseline="0" dirty="0"/>
-              <a:t>, </a:t>
-            </a:r>
-            <a:r>
-              <a:rPr lang="en-US" baseline="0" dirty="0" err="1"/>
-              <a:t>geckodriver</a:t>
-            </a:r>
-            <a:r>
-              <a:rPr lang="en-US" baseline="0" dirty="0"/>
-              <a:t> for </a:t>
-            </a:r>
-            <a:r>
-              <a:rPr lang="en-US" baseline="0" dirty="0" err="1"/>
-              <a:t>firefox</a:t>
-            </a:r>
-            <a:endParaRPr lang="en-US" baseline="0" dirty="0"/>
-          </a:p>
-          <a:p>
-            <a:endParaRPr lang="en-US" baseline="0" dirty="0"/>
-          </a:p>
-          <a:p>
-            <a:r>
-              <a:rPr lang="en-US" sz="1200" b="1" i="0" kern="1200" dirty="0">
-                <a:solidFill>
-                  <a:schemeClr val="tx1"/>
-                </a:solidFill>
-                <a:effectLst/>
-                <a:latin typeface="+mn-lt"/>
-                <a:ea typeface="+mn-ea"/>
-                <a:cs typeface="+mn-cs"/>
-              </a:rPr>
-              <a:t>Selenium Web Driver</a:t>
-            </a:r>
-            <a:r>
-              <a:rPr lang="en-US" sz="1200" b="0" i="0" kern="1200" dirty="0">
-                <a:solidFill>
-                  <a:schemeClr val="tx1"/>
-                </a:solidFill>
-                <a:effectLst/>
-                <a:latin typeface="+mn-lt"/>
-                <a:ea typeface="+mn-ea"/>
-                <a:cs typeface="+mn-cs"/>
-              </a:rPr>
-              <a:t> is a tool for writing automated tests of websites. It aims to mimic the behavior of a real user, and as such interacts with the HTML of the application.</a:t>
-            </a:r>
-          </a:p>
-          <a:p>
-            <a:endParaRPr lang="en-US" sz="1200" b="0" i="0" kern="1200" dirty="0">
-              <a:solidFill>
-                <a:schemeClr val="tx1"/>
-              </a:solidFill>
-              <a:effectLst/>
-              <a:latin typeface="+mn-lt"/>
-              <a:ea typeface="+mn-ea"/>
-              <a:cs typeface="+mn-cs"/>
-            </a:endParaRPr>
-          </a:p>
-          <a:p>
-            <a:r>
-              <a:rPr lang="en-US" sz="1200" b="0" i="0" kern="1200" dirty="0">
-                <a:solidFill>
-                  <a:schemeClr val="tx1"/>
-                </a:solidFill>
-                <a:effectLst/>
-                <a:latin typeface="+mn-lt"/>
-                <a:ea typeface="+mn-ea"/>
-                <a:cs typeface="+mn-cs"/>
-              </a:rPr>
-              <a:t>These wrappers of Selenium </a:t>
-            </a:r>
-            <a:r>
-              <a:rPr lang="en-US" sz="1200" b="0" i="0" kern="1200" dirty="0" err="1">
-                <a:solidFill>
-                  <a:schemeClr val="tx1"/>
-                </a:solidFill>
-                <a:effectLst/>
-                <a:latin typeface="+mn-lt"/>
-                <a:ea typeface="+mn-ea"/>
-                <a:cs typeface="+mn-cs"/>
-              </a:rPr>
-              <a:t>Webdriver</a:t>
-            </a:r>
-            <a:r>
-              <a:rPr lang="en-US" sz="1200" b="0" i="0" kern="1200" dirty="0">
-                <a:solidFill>
-                  <a:schemeClr val="tx1"/>
-                </a:solidFill>
-                <a:effectLst/>
-                <a:latin typeface="+mn-lt"/>
-                <a:ea typeface="+mn-ea"/>
-                <a:cs typeface="+mn-cs"/>
-              </a:rPr>
-              <a:t> allowed developers to enhance and</a:t>
-            </a:r>
-            <a:r>
-              <a:rPr lang="en-US" sz="1200" b="0" i="0" kern="1200" baseline="0" dirty="0">
-                <a:solidFill>
-                  <a:schemeClr val="tx1"/>
-                </a:solidFill>
-                <a:effectLst/>
-                <a:latin typeface="+mn-lt"/>
-                <a:ea typeface="+mn-ea"/>
-                <a:cs typeface="+mn-cs"/>
-              </a:rPr>
-              <a:t> add additional functionality on top of the standard selenium </a:t>
-            </a:r>
-            <a:r>
-              <a:rPr lang="en-US" sz="1200" b="0" i="0" kern="1200" baseline="0" dirty="0" err="1">
-                <a:solidFill>
-                  <a:schemeClr val="tx1"/>
-                </a:solidFill>
-                <a:effectLst/>
-                <a:latin typeface="+mn-lt"/>
-                <a:ea typeface="+mn-ea"/>
-                <a:cs typeface="+mn-cs"/>
-              </a:rPr>
-              <a:t>webdriver</a:t>
-            </a:r>
             <a:endParaRPr lang="en-US" dirty="0"/>
           </a:p>
         </p:txBody>
@@ -3977,7 +3375,7 @@
             <a:fld id="{B61BEF0D-F0BB-DE4B-95CE-6DB70DBA9567}" type="datetimeFigureOut">
               <a:rPr lang="en-US" dirty="0"/>
               <a:pPr/>
-              <a:t>5/4/2017</a:t>
+              <a:t>5/18/2017</a:t>
             </a:fld>
             <a:endParaRPr lang="en-US" dirty="0"/>
           </a:p>
@@ -4225,7 +3623,7 @@
             <a:fld id="{B61BEF0D-F0BB-DE4B-95CE-6DB70DBA9567}" type="datetimeFigureOut">
               <a:rPr lang="en-US" dirty="0"/>
               <a:pPr/>
-              <a:t>5/4/2017</a:t>
+              <a:t>5/18/2017</a:t>
             </a:fld>
             <a:endParaRPr lang="en-US" dirty="0"/>
           </a:p>
@@ -4536,7 +3934,7 @@
             <a:fld id="{B61BEF0D-F0BB-DE4B-95CE-6DB70DBA9567}" type="datetimeFigureOut">
               <a:rPr lang="en-US" dirty="0"/>
               <a:pPr/>
-              <a:t>5/4/2017</a:t>
+              <a:t>5/18/2017</a:t>
             </a:fld>
             <a:endParaRPr lang="en-US" dirty="0"/>
           </a:p>
@@ -4866,7 +4264,7 @@
             <a:fld id="{B61BEF0D-F0BB-DE4B-95CE-6DB70DBA9567}" type="datetimeFigureOut">
               <a:rPr lang="en-US" dirty="0"/>
               <a:pPr/>
-              <a:t>5/4/2017</a:t>
+              <a:t>5/18/2017</a:t>
             </a:fld>
             <a:endParaRPr lang="en-US" dirty="0"/>
           </a:p>
@@ -5177,7 +4575,7 @@
             <a:fld id="{B61BEF0D-F0BB-DE4B-95CE-6DB70DBA9567}" type="datetimeFigureOut">
               <a:rPr lang="en-US" dirty="0"/>
               <a:pPr/>
-              <a:t>5/4/2017</a:t>
+              <a:t>5/18/2017</a:t>
             </a:fld>
             <a:endParaRPr lang="en-US" dirty="0"/>
           </a:p>
@@ -5567,7 +4965,7 @@
             <a:fld id="{B61BEF0D-F0BB-DE4B-95CE-6DB70DBA9567}" type="datetimeFigureOut">
               <a:rPr lang="en-US" dirty="0"/>
               <a:pPr/>
-              <a:t>5/4/2017</a:t>
+              <a:t>5/18/2017</a:t>
             </a:fld>
             <a:endParaRPr lang="en-US" dirty="0"/>
           </a:p>
@@ -5733,7 +5131,7 @@
           <a:p>
             <a:fld id="{55C6B4A9-1611-4792-9094-5F34BCA07E0B}" type="datetimeFigureOut">
               <a:rPr lang="en-US" dirty="0"/>
-              <a:t>5/4/2017</a:t>
+              <a:t>5/18/2017</a:t>
             </a:fld>
             <a:endParaRPr lang="en-US" dirty="0"/>
           </a:p>
@@ -5909,7 +5307,7 @@
             <a:fld id="{B61BEF0D-F0BB-DE4B-95CE-6DB70DBA9567}" type="datetimeFigureOut">
               <a:rPr lang="en-US" dirty="0"/>
               <a:pPr/>
-              <a:t>5/4/2017</a:t>
+              <a:t>5/18/2017</a:t>
             </a:fld>
             <a:endParaRPr lang="en-US" dirty="0"/>
           </a:p>
@@ -6075,7 +5473,7 @@
           <a:p>
             <a:fld id="{42A54C80-263E-416B-A8E0-580EDEADCBDC}" type="datetimeFigureOut">
               <a:rPr lang="en-US" dirty="0"/>
-              <a:t>5/4/2017</a:t>
+              <a:t>5/18/2017</a:t>
             </a:fld>
             <a:endParaRPr lang="en-US" dirty="0"/>
           </a:p>
@@ -6318,7 +5716,7 @@
             <a:fld id="{B61BEF0D-F0BB-DE4B-95CE-6DB70DBA9567}" type="datetimeFigureOut">
               <a:rPr lang="en-US" dirty="0"/>
               <a:pPr/>
-              <a:t>5/4/2017</a:t>
+              <a:t>5/18/2017</a:t>
             </a:fld>
             <a:endParaRPr lang="en-US" dirty="0"/>
           </a:p>
@@ -6546,7 +5944,7 @@
           <a:p>
             <a:fld id="{42A54C80-263E-416B-A8E0-580EDEADCBDC}" type="datetimeFigureOut">
               <a:rPr lang="en-US" dirty="0"/>
-              <a:t>5/4/2017</a:t>
+              <a:t>5/18/2017</a:t>
             </a:fld>
             <a:endParaRPr lang="en-US" dirty="0"/>
           </a:p>
@@ -6916,7 +6314,7 @@
             <a:fld id="{B61BEF0D-F0BB-DE4B-95CE-6DB70DBA9567}" type="datetimeFigureOut">
               <a:rPr lang="en-US" dirty="0"/>
               <a:pPr/>
-              <a:t>5/4/2017</a:t>
+              <a:t>5/18/2017</a:t>
             </a:fld>
             <a:endParaRPr lang="en-US" dirty="0"/>
           </a:p>
@@ -7036,7 +6434,7 @@
             <a:fld id="{B61BEF0D-F0BB-DE4B-95CE-6DB70DBA9567}" type="datetimeFigureOut">
               <a:rPr lang="en-US" dirty="0"/>
               <a:pPr/>
-              <a:t>5/4/2017</a:t>
+              <a:t>5/18/2017</a:t>
             </a:fld>
             <a:endParaRPr lang="en-US" dirty="0"/>
           </a:p>
@@ -7128,7 +6526,7 @@
             <a:fld id="{B61BEF0D-F0BB-DE4B-95CE-6DB70DBA9567}" type="datetimeFigureOut">
               <a:rPr lang="en-US" dirty="0"/>
               <a:pPr/>
-              <a:t>5/4/2017</a:t>
+              <a:t>5/18/2017</a:t>
             </a:fld>
             <a:endParaRPr lang="en-US" dirty="0"/>
           </a:p>
@@ -7379,7 +6777,7 @@
           <a:p>
             <a:fld id="{42A54C80-263E-416B-A8E0-580EDEADCBDC}" type="datetimeFigureOut">
               <a:rPr lang="en-US" dirty="0"/>
-              <a:t>5/4/2017</a:t>
+              <a:t>5/18/2017</a:t>
             </a:fld>
             <a:endParaRPr lang="en-US" dirty="0"/>
           </a:p>
@@ -7681,7 +7079,7 @@
             <a:fld id="{B61BEF0D-F0BB-DE4B-95CE-6DB70DBA9567}" type="datetimeFigureOut">
               <a:rPr lang="en-US" dirty="0"/>
               <a:pPr/>
-              <a:t>5/4/2017</a:t>
+              <a:t>5/18/2017</a:t>
             </a:fld>
             <a:endParaRPr lang="en-US" dirty="0"/>
           </a:p>
@@ -8379,7 +7777,7 @@
             <a:fld id="{B61BEF0D-F0BB-DE4B-95CE-6DB70DBA9567}" type="datetimeFigureOut">
               <a:rPr lang="en-US" dirty="0"/>
               <a:pPr/>
-              <a:t>5/4/2017</a:t>
+              <a:t>5/18/2017</a:t>
             </a:fld>
             <a:endParaRPr lang="en-US" dirty="0"/>
           </a:p>
@@ -9850,7 +9248,6 @@
               <a:rPr lang="en-US" dirty="0"/>
               <a:t> - hover</a:t>
             </a:r>
-            <a:endParaRPr lang="en-US" dirty="0"/>
           </a:p>
           <a:p>
             <a:r>
@@ -10334,7 +9731,6 @@
               <a:rPr lang="en-US" dirty="0"/>
               <a:t> Common Patterns: Navigation</a:t>
             </a:r>
-            <a:endParaRPr lang="en-US" dirty="0"/>
           </a:p>
         </p:txBody>
       </p:sp>
